--- a/mlu-dlti/Lessons/DEV_MLUDTI-EN-M3-L1.pptx
+++ b/mlu-dlti/Lessons/DEV_MLUDTI-EN-M3-L1.pptx
@@ -319,7 +319,7 @@
           <a:p>
             <a:fld id="{EA5063E8-87FB-452C-8B87-FE4287068F79}" type="datetimeFigureOut">
               <a:rPr lang="en-US" smtClean="0"/>
-              <a:t>5/30/25</a:t>
+              <a:t>8/22/25</a:t>
             </a:fld>
             <a:endParaRPr lang="en-US" dirty="0"/>
           </a:p>
@@ -6875,7 +6875,7 @@
           <a:p>
             <a:fld id="{A4D01F9F-67AE-414A-A1C8-045AADDAEB53}" type="datetimeFigureOut">
               <a:rPr lang="en-US" smtClean="0"/>
-              <a:t>5/30/25</a:t>
+              <a:t>8/22/25</a:t>
             </a:fld>
             <a:endParaRPr lang="en-US"/>
           </a:p>
@@ -7528,7 +7528,7 @@
       </p:sp>
       <p:pic>
         <p:nvPicPr>
-          <p:cNvPr id="4" name="Picture 3" descr="An image of matches with colored flames and three associated images for the red, green and blue color channels">
+          <p:cNvPr id="4" name="Picture 3">
             <a:extLst>
               <a:ext uri="{FF2B5EF4-FFF2-40B4-BE49-F238E27FC236}">
                 <a16:creationId xmlns:a16="http://schemas.microsoft.com/office/drawing/2014/main" id="{924ED7F5-9EFE-220B-6B73-F75BA807E2C7}"/>
@@ -7547,8 +7547,8 @@
         </p:blipFill>
         <p:spPr>
           <a:xfrm>
-            <a:off x="1379519" y="1519454"/>
-            <a:ext cx="7772400" cy="3819091"/>
+            <a:off x="815856" y="1357314"/>
+            <a:ext cx="8222616" cy="4111308"/>
           </a:xfrm>
           <a:prstGeom prst="rect">
             <a:avLst/>
@@ -8138,23 +8138,7 @@
                   <a:schemeClr val="tx2"/>
                 </a:solidFill>
               </a:rPr>
-              <a:t>I(</a:t>
-            </a:r>
-            <a:r>
-              <a:rPr lang="en-US">
-                <a:solidFill>
-                  <a:schemeClr val="tx2"/>
-                </a:solidFill>
-              </a:rPr>
-              <a:t>y=11, </a:t>
-            </a:r>
-            <a:r>
-              <a:rPr lang="en-US" dirty="0">
-                <a:solidFill>
-                  <a:schemeClr val="tx2"/>
-                </a:solidFill>
-              </a:rPr>
-              <a:t>x=11) = 198</a:t>
+              <a:t>I(y=10, x=11) = 198</a:t>
             </a:r>
           </a:p>
         </p:txBody>
@@ -8466,7 +8450,27 @@
                 <a:ea typeface="Amazon Ember Light" panose="020B0403020204020204" pitchFamily="34" charset="0"/>
                 <a:cs typeface="Amazon Ember Light" panose="020B0403020204020204" pitchFamily="34" charset="0"/>
               </a:rPr>
-              <a:t>I(y=11, x=11) = [139, 136, 128]</a:t>
+              <a:t>I(y</a:t>
+            </a:r>
+            <a:r>
+              <a:rPr lang="en-US" sz="2400">
+                <a:solidFill>
+                  <a:schemeClr val="tx2"/>
+                </a:solidFill>
+                <a:ea typeface="Amazon Ember Light" panose="020B0403020204020204" pitchFamily="34" charset="0"/>
+                <a:cs typeface="Amazon Ember Light" panose="020B0403020204020204" pitchFamily="34" charset="0"/>
+              </a:rPr>
+              <a:t>=10, </a:t>
+            </a:r>
+            <a:r>
+              <a:rPr lang="en-US" sz="2400" dirty="0">
+                <a:solidFill>
+                  <a:schemeClr val="tx2"/>
+                </a:solidFill>
+                <a:ea typeface="Amazon Ember Light" panose="020B0403020204020204" pitchFamily="34" charset="0"/>
+                <a:cs typeface="Amazon Ember Light" panose="020B0403020204020204" pitchFamily="34" charset="0"/>
+              </a:rPr>
+              <a:t>x=11) = [139, 136, 128]</a:t>
             </a:r>
           </a:p>
         </p:txBody>
@@ -11668,31 +11672,36 @@
           </a:p>
         </p:txBody>
       </p:sp>
-      <p:sp>
-        <p:nvSpPr>
-          <p:cNvPr id="3" name="Content Placeholder 2">
+      <p:pic>
+        <p:nvPicPr>
+          <p:cNvPr id="5" name="Content Placeholder 4">
             <a:extLst>
               <a:ext uri="{FF2B5EF4-FFF2-40B4-BE49-F238E27FC236}">
-                <a16:creationId xmlns:a16="http://schemas.microsoft.com/office/drawing/2014/main" id="{854FD14E-77BD-4706-C462-9CCE2F1E1466}"/>
+                <a16:creationId xmlns:a16="http://schemas.microsoft.com/office/drawing/2014/main" id="{ACF014C4-A0FC-5952-A2A5-E062EDEA054B}"/>
               </a:ext>
             </a:extLst>
           </p:cNvPr>
-          <p:cNvSpPr>
-            <a:spLocks noGrp="1"/>
-          </p:cNvSpPr>
+          <p:cNvPicPr>
+            <a:picLocks noGrp="1" noChangeAspect="1"/>
+          </p:cNvPicPr>
           <p:nvPr>
             <p:ph idx="2"/>
           </p:nvPr>
-        </p:nvSpPr>
-        <p:spPr/>
-        <p:txBody>
-          <a:bodyPr/>
-          <a:lstStyle/>
-          <a:p>
-            <a:endParaRPr lang="en-US" dirty="0"/>
-          </a:p>
-        </p:txBody>
-      </p:sp>
+        </p:nvPicPr>
+        <p:blipFill>
+          <a:blip r:embed="rId4"/>
+          <a:stretch>
+            <a:fillRect/>
+          </a:stretch>
+        </p:blipFill>
+        <p:spPr>
+          <a:xfrm>
+            <a:off x="5310069" y="1563960"/>
+            <a:ext cx="2806700" cy="1485900"/>
+          </a:xfrm>
+          <a:effectLst/>
+        </p:spPr>
+      </p:pic>
       <p:pic>
         <p:nvPicPr>
           <p:cNvPr id="22" name="Picture 10">
@@ -11708,7 +11717,7 @@
           <p:nvPr/>
         </p:nvPicPr>
         <p:blipFill>
-          <a:blip r:embed="rId4"/>
+          <a:blip r:embed="rId5"/>
           <a:srcRect/>
           <a:stretch/>
         </p:blipFill>
@@ -11741,47 +11750,6 @@
       </p:pic>
       <p:pic>
         <p:nvPicPr>
-          <p:cNvPr id="23" name="Picture 22">
-            <a:extLst>
-              <a:ext uri="{FF2B5EF4-FFF2-40B4-BE49-F238E27FC236}">
-                <a16:creationId xmlns:a16="http://schemas.microsoft.com/office/drawing/2014/main" id="{9DBC1A1F-A076-1A08-20FF-56738B507C81}"/>
-              </a:ext>
-            </a:extLst>
-          </p:cNvPr>
-          <p:cNvPicPr>
-            <a:picLocks noChangeAspect="1"/>
-          </p:cNvPicPr>
-          <p:nvPr/>
-        </p:nvPicPr>
-        <p:blipFill>
-          <a:blip r:embed="rId5"/>
-          <a:srcRect/>
-          <a:stretch/>
-        </p:blipFill>
-        <p:spPr>
-          <a:xfrm>
-            <a:off x="5347386" y="1618206"/>
-            <a:ext cx="2647822" cy="1322760"/>
-          </a:xfrm>
-          <a:prstGeom prst="rect">
-            <a:avLst/>
-          </a:prstGeom>
-          <a:ln w="22225">
-            <a:solidFill>
-              <a:schemeClr val="bg1"/>
-            </a:solidFill>
-          </a:ln>
-          <a:effectLst>
-            <a:outerShdw blurRad="50800" dist="38100" dir="2700000" algn="tl" rotWithShape="0">
-              <a:prstClr val="black">
-                <a:alpha val="40000"/>
-              </a:prstClr>
-            </a:outerShdw>
-          </a:effectLst>
-        </p:spPr>
-      </p:pic>
-      <p:pic>
-        <p:nvPicPr>
           <p:cNvPr id="24" name="Picture 23">
             <a:extLst>
               <a:ext uri="{FF2B5EF4-FFF2-40B4-BE49-F238E27FC236}">
@@ -11801,24 +11769,16 @@
         </p:blipFill>
         <p:spPr>
           <a:xfrm>
-            <a:off x="6055193" y="2767620"/>
-            <a:ext cx="2647822" cy="1322760"/>
+            <a:off x="6108558" y="2767620"/>
+            <a:ext cx="2541091" cy="1322760"/>
           </a:xfrm>
           <a:prstGeom prst="rect">
             <a:avLst/>
           </a:prstGeom>
           <a:ln>
-            <a:solidFill>
-              <a:schemeClr val="bg1"/>
-            </a:solidFill>
+            <a:noFill/>
           </a:ln>
-          <a:effectLst>
-            <a:outerShdw blurRad="50800" dist="38100" dir="2700000" algn="tl" rotWithShape="0">
-              <a:prstClr val="black">
-                <a:alpha val="40000"/>
-              </a:prstClr>
-            </a:outerShdw>
-          </a:effectLst>
+          <a:effectLst/>
         </p:spPr>
       </p:pic>
       <p:pic>
@@ -11842,24 +11802,16 @@
         </p:blipFill>
         <p:spPr>
           <a:xfrm>
-            <a:off x="5389508" y="3917034"/>
-            <a:ext cx="2647822" cy="1322760"/>
+            <a:off x="5453921" y="3917034"/>
+            <a:ext cx="2518995" cy="1322760"/>
           </a:xfrm>
           <a:prstGeom prst="rect">
             <a:avLst/>
           </a:prstGeom>
           <a:ln>
-            <a:solidFill>
-              <a:schemeClr val="bg1"/>
-            </a:solidFill>
+            <a:noFill/>
           </a:ln>
-          <a:effectLst>
-            <a:outerShdw blurRad="50800" dist="38100" dir="2700000" algn="tl" rotWithShape="0">
-              <a:prstClr val="black">
-                <a:alpha val="40000"/>
-              </a:prstClr>
-            </a:outerShdw>
-          </a:effectLst>
+          <a:effectLst/>
         </p:spPr>
       </p:pic>
       <p:sp>
